--- a/PPTs/Lecture 11-heaps Exercises ANS.pptx
+++ b/PPTs/Lecture 11-heaps Exercises ANS.pptx
@@ -5858,7 +5858,7 @@
       </p:sp>
       <p:sp>
         <p:nvSpPr>
-          <p:cNvPr id="3" name=" 2">
+          <p:cNvPr id="3" name="Content Placeholder 2">
             <a:extLst>
               <a:ext uri="{FF2B5EF4-FFF2-40B4-BE49-F238E27FC236}">
                 <a16:creationId xmlns:a16="http://schemas.microsoft.com/office/drawing/2014/main" id="{EC180415-4025-A36A-F8D3-C14D016AD777}"/>
@@ -5875,7 +5875,7 @@
         <p:spPr>
           <a:xfrm>
             <a:off x="575240" y="1463857"/>
-            <a:ext cx="11187000" cy="4613528"/>
+            <a:ext cx="11187000" cy="3431666"/>
           </a:xfrm>
         </p:spPr>
         <p:txBody>
@@ -5898,11 +5898,6 @@
               <a:rPr lang="en-GB" dirty="0"/>
               <a:t>(b) Build the heap using repeated insertions (in the order given: 18, 2, 42, 49, 32, 1, 0) - draw the heap after each insertion. At the end, draw the array representation of the final heap.</a:t>
             </a:r>
-          </a:p>
-          <a:p>
-            <a:endParaRPr lang="en-GB" dirty="0"/>
-          </a:p>
-          <a:p>
             <a:endParaRPr lang="en-SE" dirty="0"/>
           </a:p>
         </p:txBody>
@@ -5974,7 +5969,7 @@
       </p:sp>
       <p:sp>
         <p:nvSpPr>
-          <p:cNvPr id="3" name=" 2">
+          <p:cNvPr id="3" name="Content Placeholder 2">
             <a:extLst>
               <a:ext uri="{FF2B5EF4-FFF2-40B4-BE49-F238E27FC236}">
                 <a16:creationId xmlns:a16="http://schemas.microsoft.com/office/drawing/2014/main" id="{1F935708-C315-9E2F-FE03-1F88C27CD776}"/>
@@ -6109,7 +6104,7 @@
       </p:sp>
       <p:sp>
         <p:nvSpPr>
-          <p:cNvPr id="3" name=" 2">
+          <p:cNvPr id="3" name="Content Placeholder 2">
             <a:extLst>
               <a:ext uri="{FF2B5EF4-FFF2-40B4-BE49-F238E27FC236}">
                 <a16:creationId xmlns:a16="http://schemas.microsoft.com/office/drawing/2014/main" id="{BC7DA4E2-83E1-DC04-7218-85E080609034}"/>
